--- a/CalendarioAgo2022/presentaciones/InstalacionLibrerias.pptx
+++ b/CalendarioAgo2022/presentaciones/InstalacionLibrerias.pptx
@@ -107,6 +107,11 @@
       </a:defRPr>
     </a:lvl9pPr>
   </p:defaultTextStyle>
+  <p:extLst>
+    <p:ext uri="{EFAFB233-063F-42B5-8137-9DF3F51BA10A}">
+      <p15:sldGuideLst xmlns:p15="http://schemas.microsoft.com/office/powerpoint/2012/main"/>
+    </p:ext>
+  </p:extLst>
 </p:presentation>
 </file>
 
@@ -192,7 +197,7 @@
           <a:p>
             <a:fld id="{C1DC3CF2-9496-49CF-AD94-78A25137669F}" type="datetimeFigureOut">
               <a:rPr lang="es-MX" smtClean="0"/>
-              <a:t>08/10/2022</a:t>
+              <a:t>10/10/2022</a:t>
             </a:fld>
             <a:endParaRPr lang="es-MX"/>
           </a:p>
@@ -655,7 +660,7 @@
           <a:p>
             <a:fld id="{1D4607B3-FEEC-44C8-9FBE-4ACC4B5185CD}" type="datetimeFigureOut">
               <a:rPr lang="es-MX" smtClean="0"/>
-              <a:t>08/10/2022</a:t>
+              <a:t>10/10/2022</a:t>
             </a:fld>
             <a:endParaRPr lang="es-MX"/>
           </a:p>
@@ -855,7 +860,7 @@
           <a:p>
             <a:fld id="{1D4607B3-FEEC-44C8-9FBE-4ACC4B5185CD}" type="datetimeFigureOut">
               <a:rPr lang="es-MX" smtClean="0"/>
-              <a:t>08/10/2022</a:t>
+              <a:t>10/10/2022</a:t>
             </a:fld>
             <a:endParaRPr lang="es-MX"/>
           </a:p>
@@ -1065,7 +1070,7 @@
           <a:p>
             <a:fld id="{1D4607B3-FEEC-44C8-9FBE-4ACC4B5185CD}" type="datetimeFigureOut">
               <a:rPr lang="es-MX" smtClean="0"/>
-              <a:t>08/10/2022</a:t>
+              <a:t>10/10/2022</a:t>
             </a:fld>
             <a:endParaRPr lang="es-MX"/>
           </a:p>
@@ -1710,7 +1715,7 @@
           <a:p>
             <a:fld id="{1D8BD707-D9CF-40AE-B4C6-C98DA3205C09}" type="datetimeFigureOut">
               <a:rPr lang="en-US"/>
-              <a:t>10/8/2022</a:t>
+              <a:t>10/10/2022</a:t>
             </a:fld>
             <a:endParaRPr lang="en-US"/>
           </a:p>
@@ -1888,7 +1893,7 @@
           <a:p>
             <a:fld id="{1D4607B3-FEEC-44C8-9FBE-4ACC4B5185CD}" type="datetimeFigureOut">
               <a:rPr lang="es-MX" smtClean="0"/>
-              <a:t>08/10/2022</a:t>
+              <a:t>10/10/2022</a:t>
             </a:fld>
             <a:endParaRPr lang="es-MX"/>
           </a:p>
@@ -2164,7 +2169,7 @@
           <a:p>
             <a:fld id="{1D4607B3-FEEC-44C8-9FBE-4ACC4B5185CD}" type="datetimeFigureOut">
               <a:rPr lang="es-MX" smtClean="0"/>
-              <a:t>08/10/2022</a:t>
+              <a:t>10/10/2022</a:t>
             </a:fld>
             <a:endParaRPr lang="es-MX"/>
           </a:p>
@@ -2432,7 +2437,7 @@
           <a:p>
             <a:fld id="{1D4607B3-FEEC-44C8-9FBE-4ACC4B5185CD}" type="datetimeFigureOut">
               <a:rPr lang="es-MX" smtClean="0"/>
-              <a:t>08/10/2022</a:t>
+              <a:t>10/10/2022</a:t>
             </a:fld>
             <a:endParaRPr lang="es-MX"/>
           </a:p>
@@ -2847,7 +2852,7 @@
           <a:p>
             <a:fld id="{1D4607B3-FEEC-44C8-9FBE-4ACC4B5185CD}" type="datetimeFigureOut">
               <a:rPr lang="es-MX" smtClean="0"/>
-              <a:t>08/10/2022</a:t>
+              <a:t>10/10/2022</a:t>
             </a:fld>
             <a:endParaRPr lang="es-MX"/>
           </a:p>
@@ -2989,7 +2994,7 @@
           <a:p>
             <a:fld id="{1D4607B3-FEEC-44C8-9FBE-4ACC4B5185CD}" type="datetimeFigureOut">
               <a:rPr lang="es-MX" smtClean="0"/>
-              <a:t>08/10/2022</a:t>
+              <a:t>10/10/2022</a:t>
             </a:fld>
             <a:endParaRPr lang="es-MX"/>
           </a:p>
@@ -3102,7 +3107,7 @@
           <a:p>
             <a:fld id="{1D4607B3-FEEC-44C8-9FBE-4ACC4B5185CD}" type="datetimeFigureOut">
               <a:rPr lang="es-MX" smtClean="0"/>
-              <a:t>08/10/2022</a:t>
+              <a:t>10/10/2022</a:t>
             </a:fld>
             <a:endParaRPr lang="es-MX"/>
           </a:p>
@@ -3415,7 +3420,7 @@
           <a:p>
             <a:fld id="{1D4607B3-FEEC-44C8-9FBE-4ACC4B5185CD}" type="datetimeFigureOut">
               <a:rPr lang="es-MX" smtClean="0"/>
-              <a:t>08/10/2022</a:t>
+              <a:t>10/10/2022</a:t>
             </a:fld>
             <a:endParaRPr lang="es-MX"/>
           </a:p>
@@ -3704,7 +3709,7 @@
           <a:p>
             <a:fld id="{1D4607B3-FEEC-44C8-9FBE-4ACC4B5185CD}" type="datetimeFigureOut">
               <a:rPr lang="es-MX" smtClean="0"/>
-              <a:t>08/10/2022</a:t>
+              <a:t>10/10/2022</a:t>
             </a:fld>
             <a:endParaRPr lang="es-MX"/>
           </a:p>
@@ -3947,7 +3952,7 @@
           <a:p>
             <a:fld id="{1D4607B3-FEEC-44C8-9FBE-4ACC4B5185CD}" type="datetimeFigureOut">
               <a:rPr lang="es-MX" smtClean="0"/>
-              <a:t>08/10/2022</a:t>
+              <a:t>10/10/2022</a:t>
             </a:fld>
             <a:endParaRPr lang="es-MX"/>
           </a:p>
@@ -5209,213 +5214,137 @@
               </a:lnSpc>
             </a:pPr>
             <a:r>
+              <a:rPr lang="es-ES" sz="3200" dirty="0">
+                <a:latin typeface="Arial Rounded MT Bold"/>
+                <a:cs typeface="Arial Rounded MT Bold"/>
+              </a:rPr>
+              <a:t>Instalar </a:t>
+            </a:r>
+            <a:r>
               <a:rPr sz="3200" dirty="0">
                 <a:latin typeface="Arial Rounded MT Bold"/>
                 <a:cs typeface="Arial Rounded MT Bold"/>
               </a:rPr>
-              <a:t>Si </a:t>
-            </a:r>
-            <a:r>
-              <a:rPr sz="3200" spc="-10" dirty="0">
+              <a:t>las</a:t>
+            </a:r>
+            <a:r>
+              <a:rPr sz="3200" spc="-25" dirty="0">
                 <a:latin typeface="Arial Rounded MT Bold"/>
                 <a:cs typeface="Arial Rounded MT Bold"/>
               </a:rPr>
-              <a:t>u</a:t>
+              <a:t> </a:t>
+            </a:r>
+            <a:r>
+              <a:rPr sz="3200" dirty="0" err="1">
+                <a:latin typeface="Arial Rounded MT Bold"/>
+                <a:cs typeface="Arial Rounded MT Bold"/>
+              </a:rPr>
+              <a:t>l</a:t>
+            </a:r>
+            <a:r>
+              <a:rPr sz="3200" spc="-10" dirty="0" err="1">
+                <a:latin typeface="Arial Rounded MT Bold"/>
+                <a:cs typeface="Arial Rounded MT Bold"/>
+              </a:rPr>
+              <a:t>i</a:t>
+            </a:r>
+            <a:r>
+              <a:rPr sz="3200" dirty="0" err="1">
+                <a:latin typeface="Arial Rounded MT Bold"/>
+                <a:cs typeface="Arial Rounded MT Bold"/>
+              </a:rPr>
+              <a:t>b</a:t>
+            </a:r>
+            <a:r>
+              <a:rPr sz="3200" spc="-85" dirty="0" err="1">
+                <a:latin typeface="Arial Rounded MT Bold"/>
+                <a:cs typeface="Arial Rounded MT Bold"/>
+              </a:rPr>
+              <a:t>r</a:t>
+            </a:r>
+            <a:r>
+              <a:rPr sz="3200" spc="-5" dirty="0" err="1">
+                <a:latin typeface="Arial Rounded MT Bold"/>
+                <a:cs typeface="Arial Rounded MT Bold"/>
+              </a:rPr>
+              <a:t>erías</a:t>
+            </a:r>
+            <a:r>
+              <a:rPr lang="es-ES" sz="3200" spc="-5" dirty="0">
+                <a:latin typeface="Arial Rounded MT Bold"/>
+                <a:cs typeface="Arial Rounded MT Bold"/>
+              </a:rPr>
+              <a:t>: </a:t>
+            </a:r>
+            <a:r>
+              <a:rPr sz="3200" spc="-40" dirty="0" err="1">
+                <a:solidFill>
+                  <a:srgbClr val="FF0000"/>
+                </a:solidFill>
+                <a:latin typeface="Arial Rounded MT Bold"/>
+                <a:cs typeface="Arial Rounded MT Bold"/>
+              </a:rPr>
+              <a:t>n</a:t>
+            </a:r>
+            <a:r>
+              <a:rPr sz="3200" dirty="0" err="1">
+                <a:solidFill>
+                  <a:srgbClr val="FF0000"/>
+                </a:solidFill>
+                <a:latin typeface="Arial Rounded MT Bold"/>
+                <a:cs typeface="Arial Rounded MT Bold"/>
+              </a:rPr>
+              <a:t>um</a:t>
+            </a:r>
+            <a:r>
+              <a:rPr sz="3200" spc="-45" dirty="0" err="1">
+                <a:solidFill>
+                  <a:srgbClr val="FF0000"/>
+                </a:solidFill>
+                <a:latin typeface="Arial Rounded MT Bold"/>
+                <a:cs typeface="Arial Rounded MT Bold"/>
+              </a:rPr>
+              <a:t>p</a:t>
+            </a:r>
+            <a:r>
+              <a:rPr sz="3200" spc="-240" dirty="0" err="1">
+                <a:solidFill>
+                  <a:srgbClr val="FF0000"/>
+                </a:solidFill>
+                <a:latin typeface="Arial Rounded MT Bold"/>
+                <a:cs typeface="Arial Rounded MT Bold"/>
+              </a:rPr>
+              <a:t>y</a:t>
+            </a:r>
+            <a:r>
+              <a:rPr lang="es-MX" sz="3200" dirty="0">
+                <a:latin typeface="Arial Rounded MT Bold"/>
+                <a:cs typeface="Arial Rounded MT Bold"/>
+              </a:rPr>
+              <a:t>, </a:t>
+            </a:r>
+            <a:r>
+              <a:rPr lang="es-MX" sz="3200" dirty="0">
+                <a:solidFill>
+                  <a:srgbClr val="FF0000"/>
+                </a:solidFill>
+                <a:latin typeface="Arial Rounded MT Bold"/>
+                <a:cs typeface="Arial Rounded MT Bold"/>
+              </a:rPr>
+              <a:t>pandas</a:t>
+            </a:r>
+            <a:r>
+              <a:rPr lang="es-MX" sz="3200" spc="-15" dirty="0">
+                <a:latin typeface="Arial Rounded MT Bold"/>
+                <a:cs typeface="Arial Rounded MT Bold"/>
+              </a:rPr>
+              <a:t> </a:t>
             </a:r>
             <a:r>
               <a:rPr sz="3200" dirty="0">
                 <a:latin typeface="Arial Rounded MT Bold"/>
                 <a:cs typeface="Arial Rounded MT Bold"/>
               </a:rPr>
-              <a:t>samos </a:t>
-            </a:r>
-            <a:r>
-              <a:rPr sz="3200" spc="-40" dirty="0">
-                <a:latin typeface="Arial Rounded MT Bold"/>
-                <a:cs typeface="Arial Rounded MT Bold"/>
-              </a:rPr>
-              <a:t>T</a:t>
-            </a:r>
-            <a:r>
-              <a:rPr sz="3200" dirty="0">
-                <a:latin typeface="Arial Rounded MT Bold"/>
-                <a:cs typeface="Arial Rounded MT Bold"/>
-              </a:rPr>
-              <a:t>ho</a:t>
-            </a:r>
-            <a:r>
-              <a:rPr sz="3200" spc="-15" dirty="0">
-                <a:latin typeface="Arial Rounded MT Bold"/>
-                <a:cs typeface="Arial Rounded MT Bold"/>
-              </a:rPr>
-              <a:t>n</a:t>
-            </a:r>
-            <a:r>
-              <a:rPr sz="3200" dirty="0">
-                <a:latin typeface="Arial Rounded MT Bold"/>
-                <a:cs typeface="Arial Rounded MT Bold"/>
-              </a:rPr>
-              <a:t>ny d</a:t>
-            </a:r>
-            <a:r>
-              <a:rPr sz="3200" spc="-35" dirty="0">
-                <a:latin typeface="Arial Rounded MT Bold"/>
-                <a:cs typeface="Arial Rounded MT Bold"/>
-              </a:rPr>
-              <a:t>e</a:t>
-            </a:r>
-            <a:r>
-              <a:rPr sz="3200" dirty="0">
-                <a:latin typeface="Arial Rounded MT Bold"/>
-                <a:cs typeface="Arial Rounded MT Bold"/>
-              </a:rPr>
-              <a:t>bemos</a:t>
-            </a:r>
-            <a:r>
-              <a:rPr sz="3200" spc="-25" dirty="0">
-                <a:latin typeface="Arial Rounded MT Bold"/>
-                <a:cs typeface="Arial Rounded MT Bold"/>
-              </a:rPr>
-              <a:t> </a:t>
-            </a:r>
-            <a:r>
-              <a:rPr sz="3200" dirty="0">
-                <a:latin typeface="Arial Rounded MT Bold"/>
-                <a:cs typeface="Arial Rounded MT Bold"/>
-              </a:rPr>
-              <a:t>instalar</a:t>
-            </a:r>
-            <a:r>
-              <a:rPr sz="3200" spc="-25" dirty="0">
-                <a:latin typeface="Arial Rounded MT Bold"/>
-                <a:cs typeface="Arial Rounded MT Bold"/>
-              </a:rPr>
-              <a:t> </a:t>
-            </a:r>
-            <a:r>
-              <a:rPr sz="3200" dirty="0">
-                <a:latin typeface="Arial Rounded MT Bold"/>
-                <a:cs typeface="Arial Rounded MT Bold"/>
-              </a:rPr>
-              <a:t>las</a:t>
-            </a:r>
-            <a:r>
-              <a:rPr sz="3200" spc="-25" dirty="0">
-                <a:latin typeface="Arial Rounded MT Bold"/>
-                <a:cs typeface="Arial Rounded MT Bold"/>
-              </a:rPr>
-              <a:t> </a:t>
-            </a:r>
-            <a:r>
-              <a:rPr sz="3200" dirty="0" err="1">
-                <a:latin typeface="Arial Rounded MT Bold"/>
-                <a:cs typeface="Arial Rounded MT Bold"/>
-              </a:rPr>
-              <a:t>l</a:t>
-            </a:r>
-            <a:r>
-              <a:rPr sz="3200" spc="-10" dirty="0" err="1">
-                <a:latin typeface="Arial Rounded MT Bold"/>
-                <a:cs typeface="Arial Rounded MT Bold"/>
-              </a:rPr>
-              <a:t>i</a:t>
-            </a:r>
-            <a:r>
-              <a:rPr sz="3200" dirty="0" err="1">
-                <a:latin typeface="Arial Rounded MT Bold"/>
-                <a:cs typeface="Arial Rounded MT Bold"/>
-              </a:rPr>
-              <a:t>b</a:t>
-            </a:r>
-            <a:r>
-              <a:rPr sz="3200" spc="-85" dirty="0" err="1">
-                <a:latin typeface="Arial Rounded MT Bold"/>
-                <a:cs typeface="Arial Rounded MT Bold"/>
-              </a:rPr>
-              <a:t>r</a:t>
-            </a:r>
-            <a:r>
-              <a:rPr sz="3200" spc="-5" dirty="0" err="1">
-                <a:latin typeface="Arial Rounded MT Bold"/>
-                <a:cs typeface="Arial Rounded MT Bold"/>
-              </a:rPr>
-              <a:t>erías</a:t>
-            </a:r>
-            <a:r>
-              <a:rPr lang="es-ES" sz="3200" spc="-5" dirty="0">
-                <a:latin typeface="Arial Rounded MT Bold"/>
-                <a:cs typeface="Arial Rounded MT Bold"/>
-              </a:rPr>
-              <a:t> </a:t>
-            </a:r>
-            <a:r>
-              <a:rPr sz="3200" spc="-5" dirty="0" err="1">
-                <a:latin typeface="Arial Rounded MT Bold"/>
-                <a:cs typeface="Arial Rounded MT Bold"/>
-              </a:rPr>
-              <a:t>com</a:t>
-            </a:r>
-            <a:r>
-              <a:rPr sz="3200" dirty="0" err="1">
-                <a:latin typeface="Arial Rounded MT Bold"/>
-                <a:cs typeface="Arial Rounded MT Bold"/>
-              </a:rPr>
-              <a:t>o</a:t>
-            </a:r>
-            <a:r>
-              <a:rPr sz="3200" spc="5" dirty="0">
-                <a:latin typeface="Arial Rounded MT Bold"/>
-                <a:cs typeface="Arial Rounded MT Bold"/>
-              </a:rPr>
-              <a:t> </a:t>
-            </a:r>
-            <a:r>
-              <a:rPr sz="3200" spc="-40" dirty="0" err="1">
-                <a:latin typeface="Arial Rounded MT Bold"/>
-                <a:cs typeface="Arial Rounded MT Bold"/>
-              </a:rPr>
-              <a:t>n</a:t>
-            </a:r>
-            <a:r>
-              <a:rPr sz="3200" dirty="0" err="1">
-                <a:latin typeface="Arial Rounded MT Bold"/>
-                <a:cs typeface="Arial Rounded MT Bold"/>
-              </a:rPr>
-              <a:t>um</a:t>
-            </a:r>
-            <a:r>
-              <a:rPr sz="3200" spc="-45" dirty="0" err="1">
-                <a:latin typeface="Arial Rounded MT Bold"/>
-                <a:cs typeface="Arial Rounded MT Bold"/>
-              </a:rPr>
-              <a:t>p</a:t>
-            </a:r>
-            <a:r>
-              <a:rPr sz="3200" spc="-240" dirty="0" err="1">
-                <a:latin typeface="Arial Rounded MT Bold"/>
-                <a:cs typeface="Arial Rounded MT Bold"/>
-              </a:rPr>
-              <a:t>y</a:t>
-            </a:r>
-            <a:r>
-              <a:rPr lang="es-MX" sz="3200" dirty="0">
-                <a:latin typeface="Arial Rounded MT Bold"/>
-                <a:cs typeface="Arial Rounded MT Bold"/>
-              </a:rPr>
-              <a:t>, pandas</a:t>
-            </a:r>
-            <a:r>
-              <a:rPr lang="es-MX" sz="3200" spc="-15" dirty="0">
-                <a:latin typeface="Arial Rounded MT Bold"/>
-                <a:cs typeface="Arial Rounded MT Bold"/>
-              </a:rPr>
-              <a:t> </a:t>
-            </a:r>
-            <a:r>
-              <a:rPr sz="3200" dirty="0">
-                <a:latin typeface="Arial Rounded MT Bold"/>
-                <a:cs typeface="Arial Rounded MT Bold"/>
-              </a:rPr>
               <a:t>y</a:t>
             </a:r>
             <a:r>
@@ -5427,6 +5356,9 @@
             </a:r>
             <a:r>
               <a:rPr sz="3200" dirty="0">
+                <a:solidFill>
+                  <a:srgbClr val="FF0000"/>
+                </a:solidFill>
                 <a:latin typeface="Arial Rounded MT Bold"/>
                 <a:cs typeface="Arial Rounded MT Bold"/>
               </a:rPr>
@@ -5434,6 +5366,9 @@
             </a:r>
             <a:r>
               <a:rPr sz="3200" spc="-85" dirty="0">
+                <a:solidFill>
+                  <a:srgbClr val="FF0000"/>
+                </a:solidFill>
                 <a:latin typeface="Arial Rounded MT Bold"/>
                 <a:cs typeface="Arial Rounded MT Bold"/>
               </a:rPr>
@@ -5441,6 +5376,9 @@
             </a:r>
             <a:r>
               <a:rPr sz="3200" dirty="0">
+                <a:solidFill>
+                  <a:srgbClr val="FF0000"/>
+                </a:solidFill>
                 <a:latin typeface="Arial Rounded MT Bold"/>
                 <a:cs typeface="Arial Rounded MT Bold"/>
               </a:rPr>
@@ -5448,6 +5386,9 @@
             </a:r>
             <a:r>
               <a:rPr sz="3200" spc="-204" dirty="0">
+                <a:solidFill>
+                  <a:srgbClr val="FF0000"/>
+                </a:solidFill>
                 <a:latin typeface="Arial Rounded MT Bold"/>
                 <a:cs typeface="Arial Rounded MT Bold"/>
               </a:rPr>
